--- a/PPT/PyQt03-Actions.pptx
+++ b/PPT/PyQt03-Actions.pptx
@@ -5,23 +5,24 @@
     <p:sldMasterId id="2147483653" r:id="rId1"/>
   </p:sldMasterIdLst>
   <p:notesMasterIdLst>
-    <p:notesMasterId r:id="rId13"/>
+    <p:notesMasterId r:id="rId14"/>
   </p:notesMasterIdLst>
   <p:handoutMasterIdLst>
-    <p:handoutMasterId r:id="rId14"/>
+    <p:handoutMasterId r:id="rId15"/>
   </p:handoutMasterIdLst>
   <p:sldIdLst>
     <p:sldId id="264" r:id="rId2"/>
     <p:sldId id="265" r:id="rId3"/>
-    <p:sldId id="266" r:id="rId4"/>
-    <p:sldId id="267" r:id="rId5"/>
-    <p:sldId id="268" r:id="rId6"/>
-    <p:sldId id="269" r:id="rId7"/>
-    <p:sldId id="270" r:id="rId8"/>
-    <p:sldId id="271" r:id="rId9"/>
-    <p:sldId id="272" r:id="rId10"/>
-    <p:sldId id="273" r:id="rId11"/>
-    <p:sldId id="274" r:id="rId12"/>
+    <p:sldId id="275" r:id="rId4"/>
+    <p:sldId id="266" r:id="rId5"/>
+    <p:sldId id="267" r:id="rId6"/>
+    <p:sldId id="268" r:id="rId7"/>
+    <p:sldId id="269" r:id="rId8"/>
+    <p:sldId id="270" r:id="rId9"/>
+    <p:sldId id="271" r:id="rId10"/>
+    <p:sldId id="272" r:id="rId11"/>
+    <p:sldId id="273" r:id="rId12"/>
+    <p:sldId id="274" r:id="rId13"/>
   </p:sldIdLst>
   <p:sldSz cx="9144000" cy="6858000" type="screen4x3"/>
   <p:notesSz cx="6648450" cy="9782175"/>
@@ -3770,6 +3771,140 @@
           <p:cNvPr id="2" name="Titre 1">
             <a:extLst>
               <a:ext uri="{FF2B5EF4-FFF2-40B4-BE49-F238E27FC236}">
+                <a16:creationId xmlns:a16="http://schemas.microsoft.com/office/drawing/2014/main" id="{24DF6229-4C79-95AE-3B0B-6A265DB1AD9B}"/>
+              </a:ext>
+            </a:extLst>
+          </p:cNvPr>
+          <p:cNvSpPr>
+            <a:spLocks noGrp="1"/>
+          </p:cNvSpPr>
+          <p:nvPr>
+            <p:ph type="title"/>
+          </p:nvPr>
+        </p:nvSpPr>
+        <p:spPr/>
+        <p:txBody>
+          <a:bodyPr/>
+          <a:lstStyle/>
+          <a:p>
+            <a:r>
+              <a:rPr lang="fr-FR" dirty="0"/>
+              <a:t>Exemple</a:t>
+            </a:r>
+          </a:p>
+        </p:txBody>
+      </p:sp>
+      <p:sp>
+        <p:nvSpPr>
+          <p:cNvPr id="3" name="Espace réservé du contenu 2">
+            <a:extLst>
+              <a:ext uri="{FF2B5EF4-FFF2-40B4-BE49-F238E27FC236}">
+                <a16:creationId xmlns:a16="http://schemas.microsoft.com/office/drawing/2014/main" id="{E8819973-2DDF-63CA-0823-0E6E7FEB3639}"/>
+              </a:ext>
+            </a:extLst>
+          </p:cNvPr>
+          <p:cNvSpPr>
+            <a:spLocks noGrp="1"/>
+          </p:cNvSpPr>
+          <p:nvPr>
+            <p:ph idx="1"/>
+          </p:nvPr>
+        </p:nvSpPr>
+        <p:spPr>
+          <a:xfrm>
+            <a:off x="179513" y="1412776"/>
+            <a:ext cx="4464496" cy="5040560"/>
+          </a:xfrm>
+        </p:spPr>
+        <p:txBody>
+          <a:bodyPr/>
+          <a:lstStyle/>
+          <a:p>
+            <a:r>
+              <a:rPr lang="fr-FR" dirty="0"/>
+              <a:t>Rien ne se passe ?</a:t>
+            </a:r>
+          </a:p>
+          <a:p>
+            <a:r>
+              <a:rPr lang="fr-FR" dirty="0"/>
+              <a:t>Mais d’où viennent ces méthodes</a:t>
+            </a:r>
+          </a:p>
+          <a:p>
+            <a:pPr lvl="1"/>
+            <a:r>
+              <a:rPr lang="fr-FR" dirty="0"/>
+              <a:t>Héritage ?</a:t>
+            </a:r>
+          </a:p>
+        </p:txBody>
+      </p:sp>
+      <p:pic>
+        <p:nvPicPr>
+          <p:cNvPr id="5" name="Image 4">
+            <a:extLst>
+              <a:ext uri="{FF2B5EF4-FFF2-40B4-BE49-F238E27FC236}">
+                <a16:creationId xmlns:a16="http://schemas.microsoft.com/office/drawing/2014/main" id="{995EE7C3-16DE-3408-AE5A-B27E733D32CA}"/>
+              </a:ext>
+            </a:extLst>
+          </p:cNvPr>
+          <p:cNvPicPr>
+            <a:picLocks noChangeAspect="1"/>
+          </p:cNvPicPr>
+          <p:nvPr/>
+        </p:nvPicPr>
+        <p:blipFill>
+          <a:blip r:embed="rId2"/>
+          <a:stretch>
+            <a:fillRect/>
+          </a:stretch>
+        </p:blipFill>
+        <p:spPr>
+          <a:xfrm>
+            <a:off x="4290957" y="1556792"/>
+            <a:ext cx="4873890" cy="4192293"/>
+          </a:xfrm>
+          <a:prstGeom prst="rect">
+            <a:avLst/>
+          </a:prstGeom>
+        </p:spPr>
+      </p:pic>
+    </p:spTree>
+    <p:extLst>
+      <p:ext uri="{BB962C8B-B14F-4D97-AF65-F5344CB8AC3E}">
+        <p14:creationId xmlns:p14="http://schemas.microsoft.com/office/powerpoint/2010/main" val="1136673827"/>
+      </p:ext>
+    </p:extLst>
+  </p:cSld>
+  <p:clrMapOvr>
+    <a:masterClrMapping/>
+  </p:clrMapOvr>
+</p:sld>
+</file>
+
+<file path=ppt/slides/slide11.xml><?xml version="1.0" encoding="utf-8"?>
+<p:sld xmlns:a="http://schemas.openxmlformats.org/drawingml/2006/main" xmlns:r="http://schemas.openxmlformats.org/officeDocument/2006/relationships" xmlns:p="http://schemas.openxmlformats.org/presentationml/2006/main">
+  <p:cSld>
+    <p:spTree>
+      <p:nvGrpSpPr>
+        <p:cNvPr id="1" name=""/>
+        <p:cNvGrpSpPr/>
+        <p:nvPr/>
+      </p:nvGrpSpPr>
+      <p:grpSpPr>
+        <a:xfrm>
+          <a:off x="0" y="0"/>
+          <a:ext cx="0" cy="0"/>
+          <a:chOff x="0" y="0"/>
+          <a:chExt cx="0" cy="0"/>
+        </a:xfrm>
+      </p:grpSpPr>
+      <p:sp>
+        <p:nvSpPr>
+          <p:cNvPr id="2" name="Titre 1">
+            <a:extLst>
+              <a:ext uri="{FF2B5EF4-FFF2-40B4-BE49-F238E27FC236}">
                 <a16:creationId xmlns:a16="http://schemas.microsoft.com/office/drawing/2014/main" id="{ADDF7E2C-2CEC-5388-3647-8A312E544759}"/>
               </a:ext>
             </a:extLst>
@@ -3914,7 +4049,7 @@
 </p:sld>
 </file>
 
-<file path=ppt/slides/slide11.xml><?xml version="1.0" encoding="utf-8"?>
+<file path=ppt/slides/slide12.xml><?xml version="1.0" encoding="utf-8"?>
 <p:sld xmlns:a="http://schemas.openxmlformats.org/drawingml/2006/main" xmlns:r="http://schemas.openxmlformats.org/officeDocument/2006/relationships" xmlns:p="http://schemas.openxmlformats.org/presentationml/2006/main">
   <p:cSld>
     <p:spTree>
@@ -4157,6 +4292,118 @@
           <p:cNvPr id="2" name="Titre 1">
             <a:extLst>
               <a:ext uri="{FF2B5EF4-FFF2-40B4-BE49-F238E27FC236}">
+                <a16:creationId xmlns:a16="http://schemas.microsoft.com/office/drawing/2014/main" id="{9951C5F6-08BA-ABBF-7645-5371136674C5}"/>
+              </a:ext>
+            </a:extLst>
+          </p:cNvPr>
+          <p:cNvSpPr>
+            <a:spLocks noGrp="1"/>
+          </p:cNvSpPr>
+          <p:nvPr>
+            <p:ph type="title"/>
+          </p:nvPr>
+        </p:nvSpPr>
+        <p:spPr/>
+        <p:txBody>
+          <a:bodyPr/>
+          <a:lstStyle/>
+          <a:p>
+            <a:r>
+              <a:rPr lang="fr-FR" dirty="0"/>
+              <a:t>Gestionnaire d’</a:t>
+            </a:r>
+            <a:r>
+              <a:rPr lang="fr-FR" dirty="0" err="1"/>
+              <a:t>event</a:t>
+            </a:r>
+            <a:endParaRPr lang="fr-FR" dirty="0"/>
+          </a:p>
+        </p:txBody>
+      </p:sp>
+      <p:pic>
+        <p:nvPicPr>
+          <p:cNvPr id="1026" name="Picture 2" descr="The event loop in Qt.">
+            <a:extLst>
+              <a:ext uri="{FF2B5EF4-FFF2-40B4-BE49-F238E27FC236}">
+                <a16:creationId xmlns:a16="http://schemas.microsoft.com/office/drawing/2014/main" id="{ED39D7A5-2E91-F11C-3006-CE566B94B00F}"/>
+              </a:ext>
+            </a:extLst>
+          </p:cNvPr>
+          <p:cNvPicPr>
+            <a:picLocks noGrp="1" noChangeAspect="1" noChangeArrowheads="1"/>
+          </p:cNvPicPr>
+          <p:nvPr>
+            <p:ph idx="1"/>
+          </p:nvPr>
+        </p:nvPicPr>
+        <p:blipFill>
+          <a:blip r:embed="rId2">
+            <a:extLst>
+              <a:ext uri="{28A0092B-C50C-407E-A947-70E740481C1C}">
+                <a14:useLocalDpi xmlns:a14="http://schemas.microsoft.com/office/drawing/2010/main" val="0"/>
+              </a:ext>
+            </a:extLst>
+          </a:blip>
+          <a:srcRect/>
+          <a:stretch>
+            <a:fillRect/>
+          </a:stretch>
+        </p:blipFill>
+        <p:spPr bwMode="auto">
+          <a:xfrm>
+            <a:off x="1619672" y="1593644"/>
+            <a:ext cx="5688632" cy="4522192"/>
+          </a:xfrm>
+          <a:prstGeom prst="rect">
+            <a:avLst/>
+          </a:prstGeom>
+          <a:noFill/>
+          <a:extLst>
+            <a:ext uri="{909E8E84-426E-40DD-AFC4-6F175D3DCCD1}">
+              <a14:hiddenFill xmlns:a14="http://schemas.microsoft.com/office/drawing/2010/main">
+                <a:solidFill>
+                  <a:srgbClr val="FFFFFF"/>
+                </a:solidFill>
+              </a14:hiddenFill>
+            </a:ext>
+          </a:extLst>
+        </p:spPr>
+      </p:pic>
+    </p:spTree>
+    <p:extLst>
+      <p:ext uri="{BB962C8B-B14F-4D97-AF65-F5344CB8AC3E}">
+        <p14:creationId xmlns:p14="http://schemas.microsoft.com/office/powerpoint/2010/main" val="3683241921"/>
+      </p:ext>
+    </p:extLst>
+  </p:cSld>
+  <p:clrMapOvr>
+    <a:masterClrMapping/>
+  </p:clrMapOvr>
+</p:sld>
+</file>
+
+<file path=ppt/slides/slide4.xml><?xml version="1.0" encoding="utf-8"?>
+<p:sld xmlns:a="http://schemas.openxmlformats.org/drawingml/2006/main" xmlns:r="http://schemas.openxmlformats.org/officeDocument/2006/relationships" xmlns:p="http://schemas.openxmlformats.org/presentationml/2006/main">
+  <p:cSld>
+    <p:spTree>
+      <p:nvGrpSpPr>
+        <p:cNvPr id="1" name=""/>
+        <p:cNvGrpSpPr/>
+        <p:nvPr/>
+      </p:nvGrpSpPr>
+      <p:grpSpPr>
+        <a:xfrm>
+          <a:off x="0" y="0"/>
+          <a:ext cx="0" cy="0"/>
+          <a:chOff x="0" y="0"/>
+          <a:chExt cx="0" cy="0"/>
+        </a:xfrm>
+      </p:grpSpPr>
+      <p:sp>
+        <p:nvSpPr>
+          <p:cNvPr id="2" name="Titre 1">
+            <a:extLst>
+              <a:ext uri="{FF2B5EF4-FFF2-40B4-BE49-F238E27FC236}">
                 <a16:creationId xmlns:a16="http://schemas.microsoft.com/office/drawing/2014/main" id="{8EABE528-90D5-CD1C-9362-3178194B6219}"/>
               </a:ext>
             </a:extLst>
@@ -4270,7 +4517,7 @@
 </p:sld>
 </file>
 
-<file path=ppt/slides/slide4.xml><?xml version="1.0" encoding="utf-8"?>
+<file path=ppt/slides/slide5.xml><?xml version="1.0" encoding="utf-8"?>
 <p:sld xmlns:a="http://schemas.openxmlformats.org/drawingml/2006/main" xmlns:r="http://schemas.openxmlformats.org/officeDocument/2006/relationships" xmlns:p="http://schemas.openxmlformats.org/presentationml/2006/main">
   <p:cSld>
     <p:spTree>
@@ -4422,7 +4669,7 @@
 </p:sld>
 </file>
 
-<file path=ppt/slides/slide5.xml><?xml version="1.0" encoding="utf-8"?>
+<file path=ppt/slides/slide6.xml><?xml version="1.0" encoding="utf-8"?>
 <p:sld xmlns:a="http://schemas.openxmlformats.org/drawingml/2006/main" xmlns:r="http://schemas.openxmlformats.org/officeDocument/2006/relationships" xmlns:p="http://schemas.openxmlformats.org/presentationml/2006/main">
   <p:cSld>
     <p:spTree>
@@ -4546,7 +4793,7 @@
 </p:sld>
 </file>
 
-<file path=ppt/slides/slide6.xml><?xml version="1.0" encoding="utf-8"?>
+<file path=ppt/slides/slide7.xml><?xml version="1.0" encoding="utf-8"?>
 <p:sld xmlns:a="http://schemas.openxmlformats.org/drawingml/2006/main" xmlns:r="http://schemas.openxmlformats.org/officeDocument/2006/relationships" xmlns:p="http://schemas.openxmlformats.org/presentationml/2006/main">
   <p:cSld>
     <p:spTree>
@@ -4676,7 +4923,7 @@
 </p:sld>
 </file>
 
-<file path=ppt/slides/slide7.xml><?xml version="1.0" encoding="utf-8"?>
+<file path=ppt/slides/slide8.xml><?xml version="1.0" encoding="utf-8"?>
 <p:sld xmlns:a="http://schemas.openxmlformats.org/drawingml/2006/main" xmlns:r="http://schemas.openxmlformats.org/officeDocument/2006/relationships" xmlns:p="http://schemas.openxmlformats.org/presentationml/2006/main">
   <p:cSld>
     <p:spTree>
@@ -4869,7 +5116,7 @@
 </p:sld>
 </file>
 
-<file path=ppt/slides/slide8.xml><?xml version="1.0" encoding="utf-8"?>
+<file path=ppt/slides/slide9.xml><?xml version="1.0" encoding="utf-8"?>
 <p:sld xmlns:a="http://schemas.openxmlformats.org/drawingml/2006/main" xmlns:r="http://schemas.openxmlformats.org/officeDocument/2006/relationships" xmlns:p="http://schemas.openxmlformats.org/presentationml/2006/main">
   <p:cSld>
     <p:spTree>
@@ -4982,140 +5229,6 @@
     <p:extLst>
       <p:ext uri="{BB962C8B-B14F-4D97-AF65-F5344CB8AC3E}">
         <p14:creationId xmlns:p14="http://schemas.microsoft.com/office/powerpoint/2010/main" val="505766004"/>
-      </p:ext>
-    </p:extLst>
-  </p:cSld>
-  <p:clrMapOvr>
-    <a:masterClrMapping/>
-  </p:clrMapOvr>
-</p:sld>
-</file>
-
-<file path=ppt/slides/slide9.xml><?xml version="1.0" encoding="utf-8"?>
-<p:sld xmlns:a="http://schemas.openxmlformats.org/drawingml/2006/main" xmlns:r="http://schemas.openxmlformats.org/officeDocument/2006/relationships" xmlns:p="http://schemas.openxmlformats.org/presentationml/2006/main">
-  <p:cSld>
-    <p:spTree>
-      <p:nvGrpSpPr>
-        <p:cNvPr id="1" name=""/>
-        <p:cNvGrpSpPr/>
-        <p:nvPr/>
-      </p:nvGrpSpPr>
-      <p:grpSpPr>
-        <a:xfrm>
-          <a:off x="0" y="0"/>
-          <a:ext cx="0" cy="0"/>
-          <a:chOff x="0" y="0"/>
-          <a:chExt cx="0" cy="0"/>
-        </a:xfrm>
-      </p:grpSpPr>
-      <p:sp>
-        <p:nvSpPr>
-          <p:cNvPr id="2" name="Titre 1">
-            <a:extLst>
-              <a:ext uri="{FF2B5EF4-FFF2-40B4-BE49-F238E27FC236}">
-                <a16:creationId xmlns:a16="http://schemas.microsoft.com/office/drawing/2014/main" id="{24DF6229-4C79-95AE-3B0B-6A265DB1AD9B}"/>
-              </a:ext>
-            </a:extLst>
-          </p:cNvPr>
-          <p:cNvSpPr>
-            <a:spLocks noGrp="1"/>
-          </p:cNvSpPr>
-          <p:nvPr>
-            <p:ph type="title"/>
-          </p:nvPr>
-        </p:nvSpPr>
-        <p:spPr/>
-        <p:txBody>
-          <a:bodyPr/>
-          <a:lstStyle/>
-          <a:p>
-            <a:r>
-              <a:rPr lang="fr-FR" dirty="0"/>
-              <a:t>Exemple</a:t>
-            </a:r>
-          </a:p>
-        </p:txBody>
-      </p:sp>
-      <p:sp>
-        <p:nvSpPr>
-          <p:cNvPr id="3" name="Espace réservé du contenu 2">
-            <a:extLst>
-              <a:ext uri="{FF2B5EF4-FFF2-40B4-BE49-F238E27FC236}">
-                <a16:creationId xmlns:a16="http://schemas.microsoft.com/office/drawing/2014/main" id="{E8819973-2DDF-63CA-0823-0E6E7FEB3639}"/>
-              </a:ext>
-            </a:extLst>
-          </p:cNvPr>
-          <p:cNvSpPr>
-            <a:spLocks noGrp="1"/>
-          </p:cNvSpPr>
-          <p:nvPr>
-            <p:ph idx="1"/>
-          </p:nvPr>
-        </p:nvSpPr>
-        <p:spPr>
-          <a:xfrm>
-            <a:off x="179513" y="1412776"/>
-            <a:ext cx="4464496" cy="5040560"/>
-          </a:xfrm>
-        </p:spPr>
-        <p:txBody>
-          <a:bodyPr/>
-          <a:lstStyle/>
-          <a:p>
-            <a:r>
-              <a:rPr lang="fr-FR" dirty="0"/>
-              <a:t>Rien ne se passe ?</a:t>
-            </a:r>
-          </a:p>
-          <a:p>
-            <a:r>
-              <a:rPr lang="fr-FR" dirty="0"/>
-              <a:t>Mais d’où viennent ces méthodes</a:t>
-            </a:r>
-          </a:p>
-          <a:p>
-            <a:pPr lvl="1"/>
-            <a:r>
-              <a:rPr lang="fr-FR" dirty="0"/>
-              <a:t>Héritage ?</a:t>
-            </a:r>
-          </a:p>
-        </p:txBody>
-      </p:sp>
-      <p:pic>
-        <p:nvPicPr>
-          <p:cNvPr id="5" name="Image 4">
-            <a:extLst>
-              <a:ext uri="{FF2B5EF4-FFF2-40B4-BE49-F238E27FC236}">
-                <a16:creationId xmlns:a16="http://schemas.microsoft.com/office/drawing/2014/main" id="{995EE7C3-16DE-3408-AE5A-B27E733D32CA}"/>
-              </a:ext>
-            </a:extLst>
-          </p:cNvPr>
-          <p:cNvPicPr>
-            <a:picLocks noChangeAspect="1"/>
-          </p:cNvPicPr>
-          <p:nvPr/>
-        </p:nvPicPr>
-        <p:blipFill>
-          <a:blip r:embed="rId2"/>
-          <a:stretch>
-            <a:fillRect/>
-          </a:stretch>
-        </p:blipFill>
-        <p:spPr>
-          <a:xfrm>
-            <a:off x="4290957" y="1556792"/>
-            <a:ext cx="4873890" cy="4192293"/>
-          </a:xfrm>
-          <a:prstGeom prst="rect">
-            <a:avLst/>
-          </a:prstGeom>
-        </p:spPr>
-      </p:pic>
-    </p:spTree>
-    <p:extLst>
-      <p:ext uri="{BB962C8B-B14F-4D97-AF65-F5344CB8AC3E}">
-        <p14:creationId xmlns:p14="http://schemas.microsoft.com/office/powerpoint/2010/main" val="1136673827"/>
       </p:ext>
     </p:extLst>
   </p:cSld>

--- a/PPT/PyQt03-Actions.pptx
+++ b/PPT/PyQt03-Actions.pptx
@@ -4480,7 +4480,7 @@
             <a:pPr lvl="1"/>
             <a:r>
               <a:rPr lang="fr-FR" dirty="0"/>
-              <a:t>Propriété </a:t>
+              <a:t>Méthode </a:t>
             </a:r>
             <a:r>
               <a:rPr lang="fr-FR" dirty="0" err="1"/>
